--- a/aulas/t/SOP-T0-APR.pptx
+++ b/aulas/t/SOP-T0-APR.pptx
@@ -12143,7 +12143,7 @@
                 </a:solidFill>
                 <a:latin typeface="Arial" charset="0"/>
               </a:rPr>
-              <a:t>Avaliação em Modo Projeto</a:t>
+              <a:t>Avaliação nas Provas Escritas</a:t>
             </a:r>
             <a:endParaRPr lang="pt-PT" sz="1400" b="1" i="1" dirty="0">
               <a:solidFill>
@@ -12265,7 +12265,7 @@
             </a:pPr>
             <a:r>
               <a:rPr lang="pt-PT" sz="1600" b="0" i="0" dirty="0"/>
-              <a:t>20 questões de respostas múltiplas (5 em cada questão cotadas com 100%, 65%, 35%, 0% e -35%);</a:t>
+              <a:t>20 questões de respostas múltiplas (5 em cada questão cotadas com 100%, 65%, 33%, 0% e -33%);</a:t>
             </a:r>
           </a:p>
           <a:p>
